--- a/figures/exchange.pptx
+++ b/figures/exchange.pptx
@@ -10,6 +10,8 @@
     <p:sldId id="258" r:id="rId4"/>
     <p:sldId id="259" r:id="rId5"/>
     <p:sldId id="260" r:id="rId6"/>
+    <p:sldId id="261" r:id="rId7"/>
+    <p:sldId id="262" r:id="rId8"/>
   </p:sldIdLst>
   <p:sldSz cx="12192000" cy="6858000"/>
   <p:notesSz cx="6858000" cy="9144000"/>
@@ -8829,6 +8831,511 @@
           <a:chExt cx="0" cy="0"/>
         </a:xfrm>
       </p:grpSpPr>
+      <p:grpSp>
+        <p:nvGrpSpPr>
+          <p:cNvPr id="15" name="Groupe 14">
+            <a:extLst>
+              <a:ext uri="{FF2B5EF4-FFF2-40B4-BE49-F238E27FC236}">
+                <a16:creationId xmlns:a16="http://schemas.microsoft.com/office/drawing/2014/main" id="{8B2A5F5F-A625-164F-869F-D9AF98B9DD99}"/>
+              </a:ext>
+            </a:extLst>
+          </p:cNvPr>
+          <p:cNvGrpSpPr/>
+          <p:nvPr/>
+        </p:nvGrpSpPr>
+        <p:grpSpPr>
+          <a:xfrm>
+            <a:off x="0" y="1041703"/>
+            <a:ext cx="9149269" cy="5644850"/>
+            <a:chOff x="-2873037" y="2337765"/>
+            <a:chExt cx="9149269" cy="5644850"/>
+          </a:xfrm>
+        </p:grpSpPr>
+        <p:cxnSp>
+          <p:nvCxnSpPr>
+            <p:cNvPr id="5" name="Connecteur droit avec flèche 4">
+              <a:extLst>
+                <a:ext uri="{FF2B5EF4-FFF2-40B4-BE49-F238E27FC236}">
+                  <a16:creationId xmlns:a16="http://schemas.microsoft.com/office/drawing/2014/main" id="{22FA62EA-42E9-8A43-80D6-68E070D8F9B2}"/>
+                </a:ext>
+              </a:extLst>
+            </p:cNvPr>
+            <p:cNvCxnSpPr>
+              <a:cxnSpLocks/>
+            </p:cNvCxnSpPr>
+            <p:nvPr/>
+          </p:nvCxnSpPr>
+          <p:spPr>
+            <a:xfrm flipV="1">
+              <a:off x="1159912" y="2707097"/>
+              <a:ext cx="0" cy="3440219"/>
+            </a:xfrm>
+            <a:prstGeom prst="straightConnector1">
+              <a:avLst/>
+            </a:prstGeom>
+            <a:ln>
+              <a:prstDash val="solid"/>
+              <a:tailEnd type="triangle"/>
+            </a:ln>
+          </p:spPr>
+          <p:style>
+            <a:lnRef idx="1">
+              <a:schemeClr val="accent1"/>
+            </a:lnRef>
+            <a:fillRef idx="0">
+              <a:schemeClr val="accent1"/>
+            </a:fillRef>
+            <a:effectRef idx="0">
+              <a:schemeClr val="accent1"/>
+            </a:effectRef>
+            <a:fontRef idx="minor">
+              <a:schemeClr val="tx1"/>
+            </a:fontRef>
+          </p:style>
+        </p:cxnSp>
+        <p:cxnSp>
+          <p:nvCxnSpPr>
+            <p:cNvPr id="7" name="Connecteur droit avec flèche 6">
+              <a:extLst>
+                <a:ext uri="{FF2B5EF4-FFF2-40B4-BE49-F238E27FC236}">
+                  <a16:creationId xmlns:a16="http://schemas.microsoft.com/office/drawing/2014/main" id="{451B2D0E-6734-9044-81C0-3AC017D705EC}"/>
+                </a:ext>
+              </a:extLst>
+            </p:cNvPr>
+            <p:cNvCxnSpPr>
+              <a:cxnSpLocks/>
+            </p:cNvCxnSpPr>
+            <p:nvPr/>
+          </p:nvCxnSpPr>
+          <p:spPr>
+            <a:xfrm>
+              <a:off x="990600" y="5962650"/>
+              <a:ext cx="4925170" cy="0"/>
+            </a:xfrm>
+            <a:prstGeom prst="straightConnector1">
+              <a:avLst/>
+            </a:prstGeom>
+            <a:ln>
+              <a:prstDash val="solid"/>
+              <a:tailEnd type="triangle"/>
+            </a:ln>
+          </p:spPr>
+          <p:style>
+            <a:lnRef idx="1">
+              <a:schemeClr val="accent1"/>
+            </a:lnRef>
+            <a:fillRef idx="0">
+              <a:schemeClr val="accent1"/>
+            </a:fillRef>
+            <a:effectRef idx="0">
+              <a:schemeClr val="accent1"/>
+            </a:effectRef>
+            <a:fontRef idx="minor">
+              <a:schemeClr val="tx1"/>
+            </a:fontRef>
+          </p:style>
+        </p:cxnSp>
+        <p:sp>
+          <p:nvSpPr>
+            <p:cNvPr id="14" name="ZoneTexte 13">
+              <a:extLst>
+                <a:ext uri="{FF2B5EF4-FFF2-40B4-BE49-F238E27FC236}">
+                  <a16:creationId xmlns:a16="http://schemas.microsoft.com/office/drawing/2014/main" id="{A40ACC2E-175F-3846-A61C-3C527B24BF12}"/>
+                </a:ext>
+              </a:extLst>
+            </p:cNvPr>
+            <p:cNvSpPr txBox="1"/>
+            <p:nvPr/>
+          </p:nvSpPr>
+          <p:spPr>
+            <a:xfrm>
+              <a:off x="5865542" y="5928857"/>
+              <a:ext cx="410690" cy="369332"/>
+            </a:xfrm>
+            <a:prstGeom prst="rect">
+              <a:avLst/>
+            </a:prstGeom>
+            <a:noFill/>
+          </p:spPr>
+          <p:txBody>
+            <a:bodyPr wrap="none" rtlCol="0">
+              <a:spAutoFit/>
+            </a:bodyPr>
+            <a:lstStyle/>
+            <a:p>
+              <a:r>
+                <a:rPr lang="fr-FR" dirty="0"/>
+                <a:t>U</a:t>
+              </a:r>
+              <a:r>
+                <a:rPr lang="fr-FR" baseline="-25000" dirty="0"/>
+                <a:t>1</a:t>
+              </a:r>
+              <a:endParaRPr lang="fr-FR" dirty="0"/>
+            </a:p>
+          </p:txBody>
+        </p:sp>
+        <p:sp>
+          <p:nvSpPr>
+            <p:cNvPr id="18" name="ZoneTexte 17">
+              <a:extLst>
+                <a:ext uri="{FF2B5EF4-FFF2-40B4-BE49-F238E27FC236}">
+                  <a16:creationId xmlns:a16="http://schemas.microsoft.com/office/drawing/2014/main" id="{0763D00E-D5BE-CD4D-937A-F6F3D5E15F3A}"/>
+                </a:ext>
+              </a:extLst>
+            </p:cNvPr>
+            <p:cNvSpPr txBox="1"/>
+            <p:nvPr/>
+          </p:nvSpPr>
+          <p:spPr>
+            <a:xfrm>
+              <a:off x="843604" y="2337765"/>
+              <a:ext cx="410690" cy="369332"/>
+            </a:xfrm>
+            <a:prstGeom prst="rect">
+              <a:avLst/>
+            </a:prstGeom>
+            <a:noFill/>
+          </p:spPr>
+          <p:txBody>
+            <a:bodyPr wrap="none" rtlCol="0">
+              <a:spAutoFit/>
+            </a:bodyPr>
+            <a:lstStyle/>
+            <a:p>
+              <a:r>
+                <a:rPr lang="fr-FR" dirty="0"/>
+                <a:t>U</a:t>
+              </a:r>
+              <a:r>
+                <a:rPr lang="fr-FR" baseline="-25000" dirty="0"/>
+                <a:t>2</a:t>
+              </a:r>
+              <a:endParaRPr lang="fr-FR" dirty="0"/>
+            </a:p>
+          </p:txBody>
+        </p:sp>
+        <p:sp>
+          <p:nvSpPr>
+            <p:cNvPr id="33" name="Ellipse 32">
+              <a:extLst>
+                <a:ext uri="{FF2B5EF4-FFF2-40B4-BE49-F238E27FC236}">
+                  <a16:creationId xmlns:a16="http://schemas.microsoft.com/office/drawing/2014/main" id="{5AD046C5-CF74-AE49-82F1-870CD41430D7}"/>
+                </a:ext>
+              </a:extLst>
+            </p:cNvPr>
+            <p:cNvSpPr/>
+            <p:nvPr/>
+          </p:nvSpPr>
+          <p:spPr>
+            <a:xfrm>
+              <a:off x="3578087" y="4381487"/>
+              <a:ext cx="45720" cy="45719"/>
+            </a:xfrm>
+            <a:prstGeom prst="ellipse">
+              <a:avLst/>
+            </a:prstGeom>
+          </p:spPr>
+          <p:style>
+            <a:lnRef idx="2">
+              <a:schemeClr val="accent1">
+                <a:shade val="50000"/>
+              </a:schemeClr>
+            </a:lnRef>
+            <a:fillRef idx="1">
+              <a:schemeClr val="accent1"/>
+            </a:fillRef>
+            <a:effectRef idx="0">
+              <a:schemeClr val="accent1"/>
+            </a:effectRef>
+            <a:fontRef idx="minor">
+              <a:schemeClr val="lt1"/>
+            </a:fontRef>
+          </p:style>
+          <p:txBody>
+            <a:bodyPr rtlCol="0" anchor="ctr"/>
+            <a:lstStyle/>
+            <a:p>
+              <a:pPr algn="ctr"/>
+              <a:endParaRPr lang="fr-FR"/>
+            </a:p>
+          </p:txBody>
+        </p:sp>
+        <p:sp>
+          <p:nvSpPr>
+            <p:cNvPr id="34" name="ZoneTexte 33">
+              <a:extLst>
+                <a:ext uri="{FF2B5EF4-FFF2-40B4-BE49-F238E27FC236}">
+                  <a16:creationId xmlns:a16="http://schemas.microsoft.com/office/drawing/2014/main" id="{832AE6CD-9BC9-104C-931F-579384368669}"/>
+                </a:ext>
+              </a:extLst>
+            </p:cNvPr>
+            <p:cNvSpPr txBox="1"/>
+            <p:nvPr/>
+          </p:nvSpPr>
+          <p:spPr>
+            <a:xfrm>
+              <a:off x="3578087" y="4057874"/>
+              <a:ext cx="317716" cy="369332"/>
+            </a:xfrm>
+            <a:prstGeom prst="rect">
+              <a:avLst/>
+            </a:prstGeom>
+            <a:noFill/>
+          </p:spPr>
+          <p:txBody>
+            <a:bodyPr wrap="none" rtlCol="0">
+              <a:spAutoFit/>
+            </a:bodyPr>
+            <a:lstStyle/>
+            <a:p>
+              <a:r>
+                <a:rPr lang="fr-FR" dirty="0"/>
+                <a:t>A</a:t>
+              </a:r>
+            </a:p>
+          </p:txBody>
+        </p:sp>
+        <p:sp>
+          <p:nvSpPr>
+            <p:cNvPr id="3" name="Ellipse 2">
+              <a:extLst>
+                <a:ext uri="{FF2B5EF4-FFF2-40B4-BE49-F238E27FC236}">
+                  <a16:creationId xmlns:a16="http://schemas.microsoft.com/office/drawing/2014/main" id="{5CA27C88-F0DB-834C-A581-1F4BCC817A3F}"/>
+                </a:ext>
+              </a:extLst>
+            </p:cNvPr>
+            <p:cNvSpPr/>
+            <p:nvPr/>
+          </p:nvSpPr>
+          <p:spPr>
+            <a:xfrm>
+              <a:off x="3600779" y="4772215"/>
+              <a:ext cx="45719" cy="47707"/>
+            </a:xfrm>
+            <a:prstGeom prst="ellipse">
+              <a:avLst/>
+            </a:prstGeom>
+          </p:spPr>
+          <p:style>
+            <a:lnRef idx="2">
+              <a:schemeClr val="accent1">
+                <a:shade val="50000"/>
+              </a:schemeClr>
+            </a:lnRef>
+            <a:fillRef idx="1">
+              <a:schemeClr val="accent1"/>
+            </a:fillRef>
+            <a:effectRef idx="0">
+              <a:schemeClr val="accent1"/>
+            </a:effectRef>
+            <a:fontRef idx="minor">
+              <a:schemeClr val="lt1"/>
+            </a:fontRef>
+          </p:style>
+          <p:txBody>
+            <a:bodyPr rtlCol="0" anchor="ctr"/>
+            <a:lstStyle/>
+            <a:p>
+              <a:pPr algn="ctr"/>
+              <a:endParaRPr lang="fr-FR"/>
+            </a:p>
+          </p:txBody>
+        </p:sp>
+        <p:sp>
+          <p:nvSpPr>
+            <p:cNvPr id="4" name="Arc 3">
+              <a:extLst>
+                <a:ext uri="{FF2B5EF4-FFF2-40B4-BE49-F238E27FC236}">
+                  <a16:creationId xmlns:a16="http://schemas.microsoft.com/office/drawing/2014/main" id="{45893FFC-AA75-554A-AE13-BD57FEA59D6A}"/>
+                </a:ext>
+              </a:extLst>
+            </p:cNvPr>
+            <p:cNvSpPr/>
+            <p:nvPr/>
+          </p:nvSpPr>
+          <p:spPr>
+            <a:xfrm>
+              <a:off x="-2873037" y="4069223"/>
+              <a:ext cx="8254662" cy="3913392"/>
+            </a:xfrm>
+            <a:prstGeom prst="arc">
+              <a:avLst>
+                <a:gd name="adj1" fmla="val 16349290"/>
+                <a:gd name="adj2" fmla="val 21521299"/>
+              </a:avLst>
+            </a:prstGeom>
+          </p:spPr>
+          <p:style>
+            <a:lnRef idx="1">
+              <a:schemeClr val="accent1"/>
+            </a:lnRef>
+            <a:fillRef idx="0">
+              <a:schemeClr val="accent1"/>
+            </a:fillRef>
+            <a:effectRef idx="0">
+              <a:schemeClr val="accent1"/>
+            </a:effectRef>
+            <a:fontRef idx="minor">
+              <a:schemeClr val="tx1"/>
+            </a:fontRef>
+          </p:style>
+          <p:txBody>
+            <a:bodyPr rtlCol="0" anchor="ctr"/>
+            <a:lstStyle/>
+            <a:p>
+              <a:pPr algn="ctr"/>
+              <a:endParaRPr lang="fr-FR"/>
+            </a:p>
+          </p:txBody>
+        </p:sp>
+        <p:sp>
+          <p:nvSpPr>
+            <p:cNvPr id="28" name="ZoneTexte 27">
+              <a:extLst>
+                <a:ext uri="{FF2B5EF4-FFF2-40B4-BE49-F238E27FC236}">
+                  <a16:creationId xmlns:a16="http://schemas.microsoft.com/office/drawing/2014/main" id="{B830C5CA-366E-D94C-A1D6-6B03F103B28A}"/>
+                </a:ext>
+              </a:extLst>
+            </p:cNvPr>
+            <p:cNvSpPr txBox="1"/>
+            <p:nvPr/>
+          </p:nvSpPr>
+          <p:spPr>
+            <a:xfrm>
+              <a:off x="3468957" y="4461939"/>
+              <a:ext cx="309700" cy="369332"/>
+            </a:xfrm>
+            <a:prstGeom prst="rect">
+              <a:avLst/>
+            </a:prstGeom>
+            <a:noFill/>
+          </p:spPr>
+          <p:txBody>
+            <a:bodyPr wrap="none" rtlCol="0">
+              <a:spAutoFit/>
+            </a:bodyPr>
+            <a:lstStyle/>
+            <a:p>
+              <a:r>
+                <a:rPr lang="fr-FR" dirty="0"/>
+                <a:t>B</a:t>
+              </a:r>
+            </a:p>
+          </p:txBody>
+        </p:sp>
+        <p:sp>
+          <p:nvSpPr>
+            <p:cNvPr id="30" name="ZoneTexte 29">
+              <a:extLst>
+                <a:ext uri="{FF2B5EF4-FFF2-40B4-BE49-F238E27FC236}">
+                  <a16:creationId xmlns:a16="http://schemas.microsoft.com/office/drawing/2014/main" id="{3C15B885-1078-FF43-AD62-36F522CC9536}"/>
+                </a:ext>
+              </a:extLst>
+            </p:cNvPr>
+            <p:cNvSpPr txBox="1"/>
+            <p:nvPr/>
+          </p:nvSpPr>
+          <p:spPr>
+            <a:xfrm>
+              <a:off x="5001872" y="4924899"/>
+              <a:ext cx="308098" cy="369332"/>
+            </a:xfrm>
+            <a:prstGeom prst="rect">
+              <a:avLst/>
+            </a:prstGeom>
+            <a:noFill/>
+          </p:spPr>
+          <p:txBody>
+            <a:bodyPr wrap="none" rtlCol="0">
+              <a:spAutoFit/>
+            </a:bodyPr>
+            <a:lstStyle/>
+            <a:p>
+              <a:r>
+                <a:rPr lang="fr-FR" dirty="0"/>
+                <a:t>C</a:t>
+              </a:r>
+            </a:p>
+          </p:txBody>
+        </p:sp>
+        <p:sp>
+          <p:nvSpPr>
+            <p:cNvPr id="10" name="Ellipse 9">
+              <a:extLst>
+                <a:ext uri="{FF2B5EF4-FFF2-40B4-BE49-F238E27FC236}">
+                  <a16:creationId xmlns:a16="http://schemas.microsoft.com/office/drawing/2014/main" id="{D3B583D9-94A3-4240-BE56-CE329F4CF1AB}"/>
+                </a:ext>
+              </a:extLst>
+            </p:cNvPr>
+            <p:cNvSpPr/>
+            <p:nvPr/>
+          </p:nvSpPr>
+          <p:spPr>
+            <a:xfrm>
+              <a:off x="5033676" y="5220881"/>
+              <a:ext cx="45719" cy="45719"/>
+            </a:xfrm>
+            <a:prstGeom prst="ellipse">
+              <a:avLst/>
+            </a:prstGeom>
+          </p:spPr>
+          <p:style>
+            <a:lnRef idx="2">
+              <a:schemeClr val="accent1">
+                <a:shade val="50000"/>
+              </a:schemeClr>
+            </a:lnRef>
+            <a:fillRef idx="1">
+              <a:schemeClr val="accent1"/>
+            </a:fillRef>
+            <a:effectRef idx="0">
+              <a:schemeClr val="accent1"/>
+            </a:effectRef>
+            <a:fontRef idx="minor">
+              <a:schemeClr val="lt1"/>
+            </a:fontRef>
+          </p:style>
+          <p:txBody>
+            <a:bodyPr rtlCol="0" anchor="ctr"/>
+            <a:lstStyle/>
+            <a:p>
+              <a:pPr algn="ctr"/>
+              <a:endParaRPr lang="fr-FR"/>
+            </a:p>
+          </p:txBody>
+        </p:sp>
+      </p:grpSp>
+    </p:spTree>
+    <p:extLst>
+      <p:ext uri="{BB962C8B-B14F-4D97-AF65-F5344CB8AC3E}">
+        <p14:creationId xmlns:p14="http://schemas.microsoft.com/office/powerpoint/2010/main" val="2625276383"/>
+      </p:ext>
+    </p:extLst>
+  </p:cSld>
+  <p:clrMapOvr>
+    <a:masterClrMapping/>
+  </p:clrMapOvr>
+</p:sld>
+</file>
+
+<file path=ppt/slides/slide6.xml><?xml version="1.0" encoding="utf-8"?>
+<p:sld xmlns:a="http://schemas.openxmlformats.org/drawingml/2006/main" xmlns:r="http://schemas.openxmlformats.org/officeDocument/2006/relationships" xmlns:p="http://schemas.openxmlformats.org/presentationml/2006/main">
+  <p:cSld>
+    <p:spTree>
+      <p:nvGrpSpPr>
+        <p:cNvPr id="1" name=""/>
+        <p:cNvGrpSpPr/>
+        <p:nvPr/>
+      </p:nvGrpSpPr>
+      <p:grpSpPr>
+        <a:xfrm>
+          <a:off x="0" y="0"/>
+          <a:ext cx="0" cy="0"/>
+          <a:chOff x="0" y="0"/>
+          <a:chExt cx="0" cy="0"/>
+        </a:xfrm>
+      </p:grpSpPr>
       <p:cxnSp>
         <p:nvCxnSpPr>
           <p:cNvPr id="5" name="Connecteur droit avec flèche 4">
@@ -8838,15 +9345,13 @@
               </a:ext>
             </a:extLst>
           </p:cNvPr>
-          <p:cNvCxnSpPr>
-            <a:cxnSpLocks/>
-          </p:cNvCxnSpPr>
+          <p:cNvCxnSpPr/>
           <p:nvPr/>
         </p:nvCxnSpPr>
         <p:spPr>
           <a:xfrm flipV="1">
-            <a:off x="1159912" y="2707097"/>
-            <a:ext cx="0" cy="3440219"/>
+            <a:off x="1333500" y="666750"/>
+            <a:ext cx="0" cy="5562600"/>
           </a:xfrm>
           <a:prstGeom prst="straightConnector1">
             <a:avLst/>
@@ -8880,15 +9385,13 @@
               </a:ext>
             </a:extLst>
           </p:cNvPr>
-          <p:cNvCxnSpPr>
-            <a:cxnSpLocks/>
-          </p:cNvCxnSpPr>
+          <p:cNvCxnSpPr/>
           <p:nvPr/>
         </p:nvCxnSpPr>
         <p:spPr>
           <a:xfrm>
             <a:off x="990600" y="5962650"/>
-            <a:ext cx="4925170" cy="0"/>
+            <a:ext cx="8782050" cy="0"/>
           </a:xfrm>
           <a:prstGeom prst="straightConnector1">
             <a:avLst/>
@@ -8913,12 +9416,95 @@
           </a:fontRef>
         </p:style>
       </p:cxnSp>
-      <p:sp>
-        <p:nvSpPr>
-          <p:cNvPr id="14" name="ZoneTexte 13">
-            <a:extLst>
-              <a:ext uri="{FF2B5EF4-FFF2-40B4-BE49-F238E27FC236}">
-                <a16:creationId xmlns:a16="http://schemas.microsoft.com/office/drawing/2014/main" id="{A40ACC2E-175F-3846-A61C-3C527B24BF12}"/>
+      <p:cxnSp>
+        <p:nvCxnSpPr>
+          <p:cNvPr id="9" name="Connecteur droit avec flèche 8">
+            <a:extLst>
+              <a:ext uri="{FF2B5EF4-FFF2-40B4-BE49-F238E27FC236}">
+                <a16:creationId xmlns:a16="http://schemas.microsoft.com/office/drawing/2014/main" id="{7B5E5E56-2BCA-0F4D-9526-F45789756EA1}"/>
+              </a:ext>
+            </a:extLst>
+          </p:cNvPr>
+          <p:cNvCxnSpPr/>
+          <p:nvPr/>
+        </p:nvCxnSpPr>
+        <p:spPr>
+          <a:xfrm flipH="1">
+            <a:off x="971550" y="952500"/>
+            <a:ext cx="8534400" cy="0"/>
+          </a:xfrm>
+          <a:prstGeom prst="straightConnector1">
+            <a:avLst/>
+          </a:prstGeom>
+          <a:ln>
+            <a:prstDash val="solid"/>
+            <a:tailEnd type="triangle"/>
+          </a:ln>
+        </p:spPr>
+        <p:style>
+          <a:lnRef idx="1">
+            <a:schemeClr val="accent1"/>
+          </a:lnRef>
+          <a:fillRef idx="0">
+            <a:schemeClr val="accent1"/>
+          </a:fillRef>
+          <a:effectRef idx="0">
+            <a:schemeClr val="accent1"/>
+          </a:effectRef>
+          <a:fontRef idx="minor">
+            <a:schemeClr val="tx1"/>
+          </a:fontRef>
+        </p:style>
+      </p:cxnSp>
+      <p:cxnSp>
+        <p:nvCxnSpPr>
+          <p:cNvPr id="11" name="Connecteur droit avec flèche 10">
+            <a:extLst>
+              <a:ext uri="{FF2B5EF4-FFF2-40B4-BE49-F238E27FC236}">
+                <a16:creationId xmlns:a16="http://schemas.microsoft.com/office/drawing/2014/main" id="{7EEB80FB-F97A-A34F-B4C8-DFA1ADC988B1}"/>
+              </a:ext>
+            </a:extLst>
+          </p:cNvPr>
+          <p:cNvCxnSpPr/>
+          <p:nvPr/>
+        </p:nvCxnSpPr>
+        <p:spPr>
+          <a:xfrm>
+            <a:off x="9315450" y="666750"/>
+            <a:ext cx="0" cy="5562600"/>
+          </a:xfrm>
+          <a:prstGeom prst="straightConnector1">
+            <a:avLst/>
+          </a:prstGeom>
+          <a:ln>
+            <a:solidFill>
+              <a:schemeClr val="accent1"/>
+            </a:solidFill>
+            <a:prstDash val="solid"/>
+            <a:tailEnd type="triangle"/>
+          </a:ln>
+        </p:spPr>
+        <p:style>
+          <a:lnRef idx="1">
+            <a:schemeClr val="accent1"/>
+          </a:lnRef>
+          <a:fillRef idx="0">
+            <a:schemeClr val="accent1"/>
+          </a:fillRef>
+          <a:effectRef idx="0">
+            <a:schemeClr val="accent1"/>
+          </a:effectRef>
+          <a:fontRef idx="minor">
+            <a:schemeClr val="tx1"/>
+          </a:fontRef>
+        </p:style>
+      </p:cxnSp>
+      <p:sp>
+        <p:nvSpPr>
+          <p:cNvPr id="12" name="ZoneTexte 11">
+            <a:extLst>
+              <a:ext uri="{FF2B5EF4-FFF2-40B4-BE49-F238E27FC236}">
+                <a16:creationId xmlns:a16="http://schemas.microsoft.com/office/drawing/2014/main" id="{B65D107A-1B30-D042-A682-608179697811}"/>
               </a:ext>
             </a:extLst>
           </p:cNvPr>
@@ -8927,8 +9513,8 @@
         </p:nvSpPr>
         <p:spPr>
           <a:xfrm>
-            <a:off x="5865542" y="5928857"/>
-            <a:ext cx="410690" cy="369332"/>
+            <a:off x="9426437" y="440293"/>
+            <a:ext cx="425116" cy="369332"/>
           </a:xfrm>
           <a:prstGeom prst="rect">
             <a:avLst/>
@@ -8943,22 +9529,17 @@
           <a:p>
             <a:r>
               <a:rPr lang="fr-FR" dirty="0"/>
-              <a:t>U</a:t>
-            </a:r>
-            <a:r>
-              <a:rPr lang="fr-FR" baseline="-25000" dirty="0"/>
-              <a:t>1</a:t>
-            </a:r>
-            <a:endParaRPr lang="fr-FR" dirty="0"/>
-          </a:p>
-        </p:txBody>
-      </p:sp>
-      <p:sp>
-        <p:nvSpPr>
-          <p:cNvPr id="18" name="ZoneTexte 17">
-            <a:extLst>
-              <a:ext uri="{FF2B5EF4-FFF2-40B4-BE49-F238E27FC236}">
-                <a16:creationId xmlns:a16="http://schemas.microsoft.com/office/drawing/2014/main" id="{0763D00E-D5BE-CD4D-937A-F6F3D5E15F3A}"/>
+              <a:t>C2</a:t>
+            </a:r>
+          </a:p>
+        </p:txBody>
+      </p:sp>
+      <p:sp>
+        <p:nvSpPr>
+          <p:cNvPr id="13" name="ZoneTexte 12">
+            <a:extLst>
+              <a:ext uri="{FF2B5EF4-FFF2-40B4-BE49-F238E27FC236}">
+                <a16:creationId xmlns:a16="http://schemas.microsoft.com/office/drawing/2014/main" id="{C8560CA6-32F6-5841-9F8D-9CC94E11530D}"/>
               </a:ext>
             </a:extLst>
           </p:cNvPr>
@@ -8967,8 +9548,8 @@
         </p:nvSpPr>
         <p:spPr>
           <a:xfrm>
-            <a:off x="843604" y="2337765"/>
-            <a:ext cx="410690" cy="369332"/>
+            <a:off x="736934" y="6044684"/>
+            <a:ext cx="425116" cy="369332"/>
           </a:xfrm>
           <a:prstGeom prst="rect">
             <a:avLst/>
@@ -8983,7 +9564,82 @@
           <a:p>
             <a:r>
               <a:rPr lang="fr-FR" dirty="0"/>
-              <a:t>U</a:t>
+              <a:t>C1</a:t>
+            </a:r>
+          </a:p>
+        </p:txBody>
+      </p:sp>
+      <p:sp>
+        <p:nvSpPr>
+          <p:cNvPr id="14" name="ZoneTexte 13">
+            <a:extLst>
+              <a:ext uri="{FF2B5EF4-FFF2-40B4-BE49-F238E27FC236}">
+                <a16:creationId xmlns:a16="http://schemas.microsoft.com/office/drawing/2014/main" id="{A40ACC2E-175F-3846-A61C-3C527B24BF12}"/>
+              </a:ext>
+            </a:extLst>
+          </p:cNvPr>
+          <p:cNvSpPr txBox="1"/>
+          <p:nvPr/>
+        </p:nvSpPr>
+        <p:spPr>
+          <a:xfrm>
+            <a:off x="9709484" y="5777984"/>
+            <a:ext cx="383438" cy="369332"/>
+          </a:xfrm>
+          <a:prstGeom prst="rect">
+            <a:avLst/>
+          </a:prstGeom>
+          <a:noFill/>
+        </p:spPr>
+        <p:txBody>
+          <a:bodyPr wrap="none" rtlCol="0">
+            <a:spAutoFit/>
+          </a:bodyPr>
+          <a:lstStyle/>
+          <a:p>
+            <a:r>
+              <a:rPr lang="fr-FR" dirty="0"/>
+              <a:t>X</a:t>
+            </a:r>
+            <a:r>
+              <a:rPr lang="fr-FR" baseline="-25000" dirty="0"/>
+              <a:t>1</a:t>
+            </a:r>
+            <a:endParaRPr lang="fr-FR" dirty="0"/>
+          </a:p>
+        </p:txBody>
+      </p:sp>
+      <p:sp>
+        <p:nvSpPr>
+          <p:cNvPr id="16" name="ZoneTexte 15">
+            <a:extLst>
+              <a:ext uri="{FF2B5EF4-FFF2-40B4-BE49-F238E27FC236}">
+                <a16:creationId xmlns:a16="http://schemas.microsoft.com/office/drawing/2014/main" id="{B911207E-7F76-8E4F-A5CF-53731AFD3732}"/>
+              </a:ext>
+            </a:extLst>
+          </p:cNvPr>
+          <p:cNvSpPr txBox="1"/>
+          <p:nvPr/>
+        </p:nvSpPr>
+        <p:spPr>
+          <a:xfrm>
+            <a:off x="661354" y="710683"/>
+            <a:ext cx="383438" cy="369332"/>
+          </a:xfrm>
+          <a:prstGeom prst="rect">
+            <a:avLst/>
+          </a:prstGeom>
+          <a:noFill/>
+        </p:spPr>
+        <p:txBody>
+          <a:bodyPr wrap="none" rtlCol="0">
+            <a:spAutoFit/>
+          </a:bodyPr>
+          <a:lstStyle/>
+          <a:p>
+            <a:r>
+              <a:rPr lang="fr-FR" dirty="0"/>
+              <a:t>X</a:t>
             </a:r>
             <a:r>
               <a:rPr lang="fr-FR" baseline="-25000" dirty="0"/>
@@ -8995,10 +9651,90 @@
       </p:sp>
       <p:sp>
         <p:nvSpPr>
-          <p:cNvPr id="33" name="Ellipse 32">
-            <a:extLst>
-              <a:ext uri="{FF2B5EF4-FFF2-40B4-BE49-F238E27FC236}">
-                <a16:creationId xmlns:a16="http://schemas.microsoft.com/office/drawing/2014/main" id="{5AD046C5-CF74-AE49-82F1-870CD41430D7}"/>
+          <p:cNvPr id="17" name="ZoneTexte 16">
+            <a:extLst>
+              <a:ext uri="{FF2B5EF4-FFF2-40B4-BE49-F238E27FC236}">
+                <a16:creationId xmlns:a16="http://schemas.microsoft.com/office/drawing/2014/main" id="{6FC690E1-CD83-F24F-990A-C0FF59D688EB}"/>
+              </a:ext>
+            </a:extLst>
+          </p:cNvPr>
+          <p:cNvSpPr txBox="1"/>
+          <p:nvPr/>
+        </p:nvSpPr>
+        <p:spPr>
+          <a:xfrm>
+            <a:off x="9293962" y="6025919"/>
+            <a:ext cx="375424" cy="369332"/>
+          </a:xfrm>
+          <a:prstGeom prst="rect">
+            <a:avLst/>
+          </a:prstGeom>
+          <a:noFill/>
+        </p:spPr>
+        <p:txBody>
+          <a:bodyPr wrap="none" rtlCol="0">
+            <a:spAutoFit/>
+          </a:bodyPr>
+          <a:lstStyle/>
+          <a:p>
+            <a:r>
+              <a:rPr lang="fr-FR" dirty="0"/>
+              <a:t>Y</a:t>
+            </a:r>
+            <a:r>
+              <a:rPr lang="fr-FR" baseline="-25000" dirty="0"/>
+              <a:t>2</a:t>
+            </a:r>
+            <a:endParaRPr lang="fr-FR" dirty="0"/>
+          </a:p>
+        </p:txBody>
+      </p:sp>
+      <p:sp>
+        <p:nvSpPr>
+          <p:cNvPr id="18" name="ZoneTexte 17">
+            <a:extLst>
+              <a:ext uri="{FF2B5EF4-FFF2-40B4-BE49-F238E27FC236}">
+                <a16:creationId xmlns:a16="http://schemas.microsoft.com/office/drawing/2014/main" id="{0763D00E-D5BE-CD4D-937A-F6F3D5E15F3A}"/>
+              </a:ext>
+            </a:extLst>
+          </p:cNvPr>
+          <p:cNvSpPr txBox="1"/>
+          <p:nvPr/>
+        </p:nvSpPr>
+        <p:spPr>
+          <a:xfrm>
+            <a:off x="1035011" y="341351"/>
+            <a:ext cx="383438" cy="369332"/>
+          </a:xfrm>
+          <a:prstGeom prst="rect">
+            <a:avLst/>
+          </a:prstGeom>
+          <a:noFill/>
+        </p:spPr>
+        <p:txBody>
+          <a:bodyPr wrap="none" rtlCol="0">
+            <a:spAutoFit/>
+          </a:bodyPr>
+          <a:lstStyle/>
+          <a:p>
+            <a:r>
+              <a:rPr lang="fr-FR" dirty="0"/>
+              <a:t>Y</a:t>
+            </a:r>
+            <a:r>
+              <a:rPr lang="fr-FR" baseline="-25000" dirty="0"/>
+              <a:t>1</a:t>
+            </a:r>
+            <a:endParaRPr lang="fr-FR" dirty="0"/>
+          </a:p>
+        </p:txBody>
+      </p:sp>
+      <p:sp>
+        <p:nvSpPr>
+          <p:cNvPr id="2" name="Arc 1">
+            <a:extLst>
+              <a:ext uri="{FF2B5EF4-FFF2-40B4-BE49-F238E27FC236}">
+                <a16:creationId xmlns:a16="http://schemas.microsoft.com/office/drawing/2014/main" id="{6ACF29D2-249F-E941-BF22-AF86C0B061F1}"/>
               </a:ext>
             </a:extLst>
           </p:cNvPr>
@@ -9007,8 +9743,102 @@
         </p:nvSpPr>
         <p:spPr>
           <a:xfrm>
-            <a:off x="3578087" y="4381487"/>
-            <a:ext cx="45720" cy="45719"/>
+            <a:off x="2610838" y="3805988"/>
+            <a:ext cx="4478466" cy="2608028"/>
+          </a:xfrm>
+          <a:prstGeom prst="arc">
+            <a:avLst>
+              <a:gd name="adj1" fmla="val 16200000"/>
+              <a:gd name="adj2" fmla="val 21464283"/>
+            </a:avLst>
+          </a:prstGeom>
+        </p:spPr>
+        <p:style>
+          <a:lnRef idx="1">
+            <a:schemeClr val="accent1"/>
+          </a:lnRef>
+          <a:fillRef idx="0">
+            <a:schemeClr val="accent1"/>
+          </a:fillRef>
+          <a:effectRef idx="0">
+            <a:schemeClr val="accent1"/>
+          </a:effectRef>
+          <a:fontRef idx="minor">
+            <a:schemeClr val="tx1"/>
+          </a:fontRef>
+        </p:style>
+        <p:txBody>
+          <a:bodyPr rtlCol="0" anchor="ctr"/>
+          <a:lstStyle/>
+          <a:p>
+            <a:pPr algn="ctr"/>
+            <a:endParaRPr lang="fr-FR" dirty="0"/>
+          </a:p>
+        </p:txBody>
+      </p:sp>
+      <p:sp>
+        <p:nvSpPr>
+          <p:cNvPr id="21" name="Arc 20">
+            <a:extLst>
+              <a:ext uri="{FF2B5EF4-FFF2-40B4-BE49-F238E27FC236}">
+                <a16:creationId xmlns:a16="http://schemas.microsoft.com/office/drawing/2014/main" id="{EE3D3CB1-0FAB-0847-95A5-7E075D2428E9}"/>
+              </a:ext>
+            </a:extLst>
+          </p:cNvPr>
+          <p:cNvSpPr/>
+          <p:nvPr/>
+        </p:nvSpPr>
+        <p:spPr>
+          <a:xfrm rot="9174205">
+            <a:off x="5853419" y="1630687"/>
+            <a:ext cx="3857221" cy="2608028"/>
+          </a:xfrm>
+          <a:prstGeom prst="arc">
+            <a:avLst>
+              <a:gd name="adj1" fmla="val 18726458"/>
+              <a:gd name="adj2" fmla="val 1010606"/>
+            </a:avLst>
+          </a:prstGeom>
+        </p:spPr>
+        <p:style>
+          <a:lnRef idx="1">
+            <a:schemeClr val="accent1"/>
+          </a:lnRef>
+          <a:fillRef idx="0">
+            <a:schemeClr val="accent1"/>
+          </a:fillRef>
+          <a:effectRef idx="0">
+            <a:schemeClr val="accent1"/>
+          </a:effectRef>
+          <a:fontRef idx="minor">
+            <a:schemeClr val="tx1"/>
+          </a:fontRef>
+        </p:style>
+        <p:txBody>
+          <a:bodyPr rtlCol="0" anchor="ctr"/>
+          <a:lstStyle/>
+          <a:p>
+            <a:pPr algn="ctr"/>
+            <a:endParaRPr lang="fr-FR"/>
+          </a:p>
+        </p:txBody>
+      </p:sp>
+      <p:sp>
+        <p:nvSpPr>
+          <p:cNvPr id="3" name="Ellipse 2">
+            <a:extLst>
+              <a:ext uri="{FF2B5EF4-FFF2-40B4-BE49-F238E27FC236}">
+                <a16:creationId xmlns:a16="http://schemas.microsoft.com/office/drawing/2014/main" id="{5CA27C88-F0DB-834C-A581-1F4BCC817A3F}"/>
+              </a:ext>
+            </a:extLst>
+          </p:cNvPr>
+          <p:cNvSpPr/>
+          <p:nvPr/>
+        </p:nvSpPr>
+        <p:spPr>
+          <a:xfrm>
+            <a:off x="6391255" y="4174319"/>
+            <a:ext cx="45719" cy="47707"/>
           </a:xfrm>
           <a:prstGeom prst="ellipse">
             <a:avLst/>
@@ -9041,10 +9871,10 @@
       </p:sp>
       <p:sp>
         <p:nvSpPr>
-          <p:cNvPr id="34" name="ZoneTexte 33">
-            <a:extLst>
-              <a:ext uri="{FF2B5EF4-FFF2-40B4-BE49-F238E27FC236}">
-                <a16:creationId xmlns:a16="http://schemas.microsoft.com/office/drawing/2014/main" id="{832AE6CD-9BC9-104C-931F-579384368669}"/>
+          <p:cNvPr id="24" name="ZoneTexte 23">
+            <a:extLst>
+              <a:ext uri="{FF2B5EF4-FFF2-40B4-BE49-F238E27FC236}">
+                <a16:creationId xmlns:a16="http://schemas.microsoft.com/office/drawing/2014/main" id="{92678934-A925-5149-AE7D-4677E482F71F}"/>
               </a:ext>
             </a:extLst>
           </p:cNvPr>
@@ -9053,7 +9883,7 @@
         </p:nvSpPr>
         <p:spPr>
           <a:xfrm>
-            <a:off x="3578087" y="4057874"/>
+            <a:off x="6391255" y="3852694"/>
             <a:ext cx="317716" cy="369332"/>
           </a:xfrm>
           <a:prstGeom prst="rect">
@@ -9074,12 +9904,50 @@
           </a:p>
         </p:txBody>
       </p:sp>
-      <p:sp>
-        <p:nvSpPr>
-          <p:cNvPr id="3" name="Ellipse 2">
-            <a:extLst>
-              <a:ext uri="{FF2B5EF4-FFF2-40B4-BE49-F238E27FC236}">
-                <a16:creationId xmlns:a16="http://schemas.microsoft.com/office/drawing/2014/main" id="{5CA27C88-F0DB-834C-A581-1F4BCC817A3F}"/>
+      <p:cxnSp>
+        <p:nvCxnSpPr>
+          <p:cNvPr id="10" name="Connecteur droit 9">
+            <a:extLst>
+              <a:ext uri="{FF2B5EF4-FFF2-40B4-BE49-F238E27FC236}">
+                <a16:creationId xmlns:a16="http://schemas.microsoft.com/office/drawing/2014/main" id="{9D43521A-387F-DF4D-A22F-9D5E3B36038C}"/>
+              </a:ext>
+            </a:extLst>
+          </p:cNvPr>
+          <p:cNvCxnSpPr>
+            <a:cxnSpLocks/>
+          </p:cNvCxnSpPr>
+          <p:nvPr/>
+        </p:nvCxnSpPr>
+        <p:spPr>
+          <a:xfrm>
+            <a:off x="4540197" y="3188472"/>
+            <a:ext cx="3307742" cy="1749287"/>
+          </a:xfrm>
+          <a:prstGeom prst="line">
+            <a:avLst/>
+          </a:prstGeom>
+        </p:spPr>
+        <p:style>
+          <a:lnRef idx="1">
+            <a:schemeClr val="accent1"/>
+          </a:lnRef>
+          <a:fillRef idx="0">
+            <a:schemeClr val="accent1"/>
+          </a:fillRef>
+          <a:effectRef idx="0">
+            <a:schemeClr val="accent1"/>
+          </a:effectRef>
+          <a:fontRef idx="minor">
+            <a:schemeClr val="tx1"/>
+          </a:fontRef>
+        </p:style>
+      </p:cxnSp>
+      <p:sp>
+        <p:nvSpPr>
+          <p:cNvPr id="19" name="Ellipse 18">
+            <a:extLst>
+              <a:ext uri="{FF2B5EF4-FFF2-40B4-BE49-F238E27FC236}">
+                <a16:creationId xmlns:a16="http://schemas.microsoft.com/office/drawing/2014/main" id="{29FDB8F0-5FC5-1848-A93D-E5E35B747188}"/>
               </a:ext>
             </a:extLst>
           </p:cNvPr>
@@ -9088,8 +9956,8 @@
         </p:nvSpPr>
         <p:spPr>
           <a:xfrm>
-            <a:off x="3600779" y="4772215"/>
-            <a:ext cx="45719" cy="47707"/>
+            <a:off x="4699222" y="3260034"/>
+            <a:ext cx="45719" cy="55659"/>
           </a:xfrm>
           <a:prstGeom prst="ellipse">
             <a:avLst/>
@@ -9122,57 +9990,10 @@
       </p:sp>
       <p:sp>
         <p:nvSpPr>
-          <p:cNvPr id="4" name="Arc 3">
-            <a:extLst>
-              <a:ext uri="{FF2B5EF4-FFF2-40B4-BE49-F238E27FC236}">
-                <a16:creationId xmlns:a16="http://schemas.microsoft.com/office/drawing/2014/main" id="{45893FFC-AA75-554A-AE13-BD57FEA59D6A}"/>
-              </a:ext>
-            </a:extLst>
-          </p:cNvPr>
-          <p:cNvSpPr/>
-          <p:nvPr/>
-        </p:nvSpPr>
-        <p:spPr>
-          <a:xfrm>
-            <a:off x="-2873037" y="4069223"/>
-            <a:ext cx="8254662" cy="3913392"/>
-          </a:xfrm>
-          <a:prstGeom prst="arc">
-            <a:avLst>
-              <a:gd name="adj1" fmla="val 16349290"/>
-              <a:gd name="adj2" fmla="val 21521299"/>
-            </a:avLst>
-          </a:prstGeom>
-        </p:spPr>
-        <p:style>
-          <a:lnRef idx="1">
-            <a:schemeClr val="accent1"/>
-          </a:lnRef>
-          <a:fillRef idx="0">
-            <a:schemeClr val="accent1"/>
-          </a:fillRef>
-          <a:effectRef idx="0">
-            <a:schemeClr val="accent1"/>
-          </a:effectRef>
-          <a:fontRef idx="minor">
-            <a:schemeClr val="tx1"/>
-          </a:fontRef>
-        </p:style>
-        <p:txBody>
-          <a:bodyPr rtlCol="0" anchor="ctr"/>
-          <a:lstStyle/>
-          <a:p>
-            <a:pPr algn="ctr"/>
-            <a:endParaRPr lang="fr-FR"/>
-          </a:p>
-        </p:txBody>
-      </p:sp>
-      <p:sp>
-        <p:nvSpPr>
-          <p:cNvPr id="28" name="ZoneTexte 27">
-            <a:extLst>
-              <a:ext uri="{FF2B5EF4-FFF2-40B4-BE49-F238E27FC236}">
-                <a16:creationId xmlns:a16="http://schemas.microsoft.com/office/drawing/2014/main" id="{B830C5CA-366E-D94C-A1D6-6B03F103B28A}"/>
+          <p:cNvPr id="29" name="ZoneTexte 28">
+            <a:extLst>
+              <a:ext uri="{FF2B5EF4-FFF2-40B4-BE49-F238E27FC236}">
+                <a16:creationId xmlns:a16="http://schemas.microsoft.com/office/drawing/2014/main" id="{807DBA00-9B3D-824C-9BA9-971E4389DE1C}"/>
               </a:ext>
             </a:extLst>
           </p:cNvPr>
@@ -9181,8 +10002,8 @@
         </p:nvSpPr>
         <p:spPr>
           <a:xfrm>
-            <a:off x="3468957" y="4461939"/>
-            <a:ext cx="309700" cy="369332"/>
+            <a:off x="4687950" y="3003806"/>
+            <a:ext cx="296876" cy="369332"/>
           </a:xfrm>
           <a:prstGeom prst="rect">
             <a:avLst/>
@@ -9197,52 +10018,17 @@
           <a:p>
             <a:r>
               <a:rPr lang="fr-FR" dirty="0"/>
-              <a:t>B</a:t>
-            </a:r>
-          </a:p>
-        </p:txBody>
-      </p:sp>
-      <p:sp>
-        <p:nvSpPr>
-          <p:cNvPr id="30" name="ZoneTexte 29">
-            <a:extLst>
-              <a:ext uri="{FF2B5EF4-FFF2-40B4-BE49-F238E27FC236}">
-                <a16:creationId xmlns:a16="http://schemas.microsoft.com/office/drawing/2014/main" id="{3C15B885-1078-FF43-AD62-36F522CC9536}"/>
-              </a:ext>
-            </a:extLst>
-          </p:cNvPr>
-          <p:cNvSpPr txBox="1"/>
-          <p:nvPr/>
-        </p:nvSpPr>
-        <p:spPr>
-          <a:xfrm>
-            <a:off x="5001872" y="4924899"/>
-            <a:ext cx="308098" cy="369332"/>
-          </a:xfrm>
-          <a:prstGeom prst="rect">
-            <a:avLst/>
-          </a:prstGeom>
-          <a:noFill/>
-        </p:spPr>
-        <p:txBody>
-          <a:bodyPr wrap="none" rtlCol="0">
-            <a:spAutoFit/>
-          </a:bodyPr>
-          <a:lstStyle/>
-          <a:p>
-            <a:r>
-              <a:rPr lang="fr-FR" dirty="0"/>
-              <a:t>C</a:t>
-            </a:r>
-          </a:p>
-        </p:txBody>
-      </p:sp>
-      <p:sp>
-        <p:nvSpPr>
-          <p:cNvPr id="10" name="Ellipse 9">
-            <a:extLst>
-              <a:ext uri="{FF2B5EF4-FFF2-40B4-BE49-F238E27FC236}">
-                <a16:creationId xmlns:a16="http://schemas.microsoft.com/office/drawing/2014/main" id="{D3B583D9-94A3-4240-BE56-CE329F4CF1AB}"/>
+              <a:t>E</a:t>
+            </a:r>
+          </a:p>
+        </p:txBody>
+      </p:sp>
+      <p:sp>
+        <p:nvSpPr>
+          <p:cNvPr id="20" name="Triangle rectangle 19">
+            <a:extLst>
+              <a:ext uri="{FF2B5EF4-FFF2-40B4-BE49-F238E27FC236}">
+                <a16:creationId xmlns:a16="http://schemas.microsoft.com/office/drawing/2014/main" id="{05872157-72F5-AA4F-95B2-6ECAAC12218C}"/>
               </a:ext>
             </a:extLst>
           </p:cNvPr>
@@ -9251,10 +10037,10 @@
         </p:nvSpPr>
         <p:spPr>
           <a:xfrm>
-            <a:off x="5033676" y="5220881"/>
-            <a:ext cx="45719" cy="45719"/>
-          </a:xfrm>
-          <a:prstGeom prst="ellipse">
+            <a:off x="7347005" y="4683318"/>
+            <a:ext cx="254442" cy="135172"/>
+          </a:xfrm>
+          <a:prstGeom prst="rtTriangle">
             <a:avLst/>
           </a:prstGeom>
         </p:spPr>
@@ -9283,10 +10069,1093 @@
           </a:p>
         </p:txBody>
       </p:sp>
+      <p:sp>
+        <p:nvSpPr>
+          <p:cNvPr id="31" name="ZoneTexte 30">
+            <a:extLst>
+              <a:ext uri="{FF2B5EF4-FFF2-40B4-BE49-F238E27FC236}">
+                <a16:creationId xmlns:a16="http://schemas.microsoft.com/office/drawing/2014/main" id="{5701CF2F-C90F-A14E-89DA-0BA78979C442}"/>
+              </a:ext>
+            </a:extLst>
+          </p:cNvPr>
+          <p:cNvSpPr txBox="1"/>
+          <p:nvPr/>
+        </p:nvSpPr>
+        <p:spPr>
+          <a:xfrm>
+            <a:off x="7101386" y="4779101"/>
+            <a:ext cx="583814" cy="369332"/>
+          </a:xfrm>
+          <a:prstGeom prst="rect">
+            <a:avLst/>
+          </a:prstGeom>
+          <a:noFill/>
+        </p:spPr>
+        <p:txBody>
+          <a:bodyPr wrap="none" rtlCol="0">
+            <a:spAutoFit/>
+          </a:bodyPr>
+          <a:lstStyle/>
+          <a:p>
+            <a:r>
+              <a:rPr lang="fr-FR" dirty="0"/>
+              <a:t>-1/p</a:t>
+            </a:r>
+          </a:p>
+        </p:txBody>
+      </p:sp>
     </p:spTree>
     <p:extLst>
       <p:ext uri="{BB962C8B-B14F-4D97-AF65-F5344CB8AC3E}">
-        <p14:creationId xmlns:p14="http://schemas.microsoft.com/office/powerpoint/2010/main" val="2625276383"/>
+        <p14:creationId xmlns:p14="http://schemas.microsoft.com/office/powerpoint/2010/main" val="2040944010"/>
+      </p:ext>
+    </p:extLst>
+  </p:cSld>
+  <p:clrMapOvr>
+    <a:masterClrMapping/>
+  </p:clrMapOvr>
+</p:sld>
+</file>
+
+<file path=ppt/slides/slide7.xml><?xml version="1.0" encoding="utf-8"?>
+<p:sld xmlns:a="http://schemas.openxmlformats.org/drawingml/2006/main" xmlns:r="http://schemas.openxmlformats.org/officeDocument/2006/relationships" xmlns:p="http://schemas.openxmlformats.org/presentationml/2006/main">
+  <p:cSld>
+    <p:spTree>
+      <p:nvGrpSpPr>
+        <p:cNvPr id="1" name=""/>
+        <p:cNvGrpSpPr/>
+        <p:nvPr/>
+      </p:nvGrpSpPr>
+      <p:grpSpPr>
+        <a:xfrm>
+          <a:off x="0" y="0"/>
+          <a:ext cx="0" cy="0"/>
+          <a:chOff x="0" y="0"/>
+          <a:chExt cx="0" cy="0"/>
+        </a:xfrm>
+      </p:grpSpPr>
+      <p:cxnSp>
+        <p:nvCxnSpPr>
+          <p:cNvPr id="5" name="Connecteur droit avec flèche 4">
+            <a:extLst>
+              <a:ext uri="{FF2B5EF4-FFF2-40B4-BE49-F238E27FC236}">
+                <a16:creationId xmlns:a16="http://schemas.microsoft.com/office/drawing/2014/main" id="{22FA62EA-42E9-8A43-80D6-68E070D8F9B2}"/>
+              </a:ext>
+            </a:extLst>
+          </p:cNvPr>
+          <p:cNvCxnSpPr/>
+          <p:nvPr/>
+        </p:nvCxnSpPr>
+        <p:spPr>
+          <a:xfrm flipV="1">
+            <a:off x="1333500" y="666750"/>
+            <a:ext cx="0" cy="5562600"/>
+          </a:xfrm>
+          <a:prstGeom prst="straightConnector1">
+            <a:avLst/>
+          </a:prstGeom>
+          <a:ln>
+            <a:prstDash val="solid"/>
+            <a:tailEnd type="triangle"/>
+          </a:ln>
+        </p:spPr>
+        <p:style>
+          <a:lnRef idx="1">
+            <a:schemeClr val="accent1"/>
+          </a:lnRef>
+          <a:fillRef idx="0">
+            <a:schemeClr val="accent1"/>
+          </a:fillRef>
+          <a:effectRef idx="0">
+            <a:schemeClr val="accent1"/>
+          </a:effectRef>
+          <a:fontRef idx="minor">
+            <a:schemeClr val="tx1"/>
+          </a:fontRef>
+        </p:style>
+      </p:cxnSp>
+      <p:cxnSp>
+        <p:nvCxnSpPr>
+          <p:cNvPr id="7" name="Connecteur droit avec flèche 6">
+            <a:extLst>
+              <a:ext uri="{FF2B5EF4-FFF2-40B4-BE49-F238E27FC236}">
+                <a16:creationId xmlns:a16="http://schemas.microsoft.com/office/drawing/2014/main" id="{451B2D0E-6734-9044-81C0-3AC017D705EC}"/>
+              </a:ext>
+            </a:extLst>
+          </p:cNvPr>
+          <p:cNvCxnSpPr/>
+          <p:nvPr/>
+        </p:nvCxnSpPr>
+        <p:spPr>
+          <a:xfrm>
+            <a:off x="990600" y="5962650"/>
+            <a:ext cx="8782050" cy="0"/>
+          </a:xfrm>
+          <a:prstGeom prst="straightConnector1">
+            <a:avLst/>
+          </a:prstGeom>
+          <a:ln>
+            <a:prstDash val="solid"/>
+            <a:tailEnd type="triangle"/>
+          </a:ln>
+        </p:spPr>
+        <p:style>
+          <a:lnRef idx="1">
+            <a:schemeClr val="accent1"/>
+          </a:lnRef>
+          <a:fillRef idx="0">
+            <a:schemeClr val="accent1"/>
+          </a:fillRef>
+          <a:effectRef idx="0">
+            <a:schemeClr val="accent1"/>
+          </a:effectRef>
+          <a:fontRef idx="minor">
+            <a:schemeClr val="tx1"/>
+          </a:fontRef>
+        </p:style>
+      </p:cxnSp>
+      <p:cxnSp>
+        <p:nvCxnSpPr>
+          <p:cNvPr id="9" name="Connecteur droit avec flèche 8">
+            <a:extLst>
+              <a:ext uri="{FF2B5EF4-FFF2-40B4-BE49-F238E27FC236}">
+                <a16:creationId xmlns:a16="http://schemas.microsoft.com/office/drawing/2014/main" id="{7B5E5E56-2BCA-0F4D-9526-F45789756EA1}"/>
+              </a:ext>
+            </a:extLst>
+          </p:cNvPr>
+          <p:cNvCxnSpPr/>
+          <p:nvPr/>
+        </p:nvCxnSpPr>
+        <p:spPr>
+          <a:xfrm flipH="1">
+            <a:off x="971550" y="952500"/>
+            <a:ext cx="8534400" cy="0"/>
+          </a:xfrm>
+          <a:prstGeom prst="straightConnector1">
+            <a:avLst/>
+          </a:prstGeom>
+          <a:ln>
+            <a:prstDash val="solid"/>
+            <a:tailEnd type="triangle"/>
+          </a:ln>
+        </p:spPr>
+        <p:style>
+          <a:lnRef idx="1">
+            <a:schemeClr val="accent1"/>
+          </a:lnRef>
+          <a:fillRef idx="0">
+            <a:schemeClr val="accent1"/>
+          </a:fillRef>
+          <a:effectRef idx="0">
+            <a:schemeClr val="accent1"/>
+          </a:effectRef>
+          <a:fontRef idx="minor">
+            <a:schemeClr val="tx1"/>
+          </a:fontRef>
+        </p:style>
+      </p:cxnSp>
+      <p:cxnSp>
+        <p:nvCxnSpPr>
+          <p:cNvPr id="11" name="Connecteur droit avec flèche 10">
+            <a:extLst>
+              <a:ext uri="{FF2B5EF4-FFF2-40B4-BE49-F238E27FC236}">
+                <a16:creationId xmlns:a16="http://schemas.microsoft.com/office/drawing/2014/main" id="{7EEB80FB-F97A-A34F-B4C8-DFA1ADC988B1}"/>
+              </a:ext>
+            </a:extLst>
+          </p:cNvPr>
+          <p:cNvCxnSpPr/>
+          <p:nvPr/>
+        </p:nvCxnSpPr>
+        <p:spPr>
+          <a:xfrm>
+            <a:off x="9315450" y="666750"/>
+            <a:ext cx="0" cy="5562600"/>
+          </a:xfrm>
+          <a:prstGeom prst="straightConnector1">
+            <a:avLst/>
+          </a:prstGeom>
+          <a:ln>
+            <a:solidFill>
+              <a:schemeClr val="accent1"/>
+            </a:solidFill>
+            <a:prstDash val="solid"/>
+            <a:tailEnd type="triangle"/>
+          </a:ln>
+        </p:spPr>
+        <p:style>
+          <a:lnRef idx="1">
+            <a:schemeClr val="accent1"/>
+          </a:lnRef>
+          <a:fillRef idx="0">
+            <a:schemeClr val="accent1"/>
+          </a:fillRef>
+          <a:effectRef idx="0">
+            <a:schemeClr val="accent1"/>
+          </a:effectRef>
+          <a:fontRef idx="minor">
+            <a:schemeClr val="tx1"/>
+          </a:fontRef>
+        </p:style>
+      </p:cxnSp>
+      <p:sp>
+        <p:nvSpPr>
+          <p:cNvPr id="12" name="ZoneTexte 11">
+            <a:extLst>
+              <a:ext uri="{FF2B5EF4-FFF2-40B4-BE49-F238E27FC236}">
+                <a16:creationId xmlns:a16="http://schemas.microsoft.com/office/drawing/2014/main" id="{B65D107A-1B30-D042-A682-608179697811}"/>
+              </a:ext>
+            </a:extLst>
+          </p:cNvPr>
+          <p:cNvSpPr txBox="1"/>
+          <p:nvPr/>
+        </p:nvSpPr>
+        <p:spPr>
+          <a:xfrm>
+            <a:off x="9426437" y="440293"/>
+            <a:ext cx="425116" cy="369332"/>
+          </a:xfrm>
+          <a:prstGeom prst="rect">
+            <a:avLst/>
+          </a:prstGeom>
+          <a:noFill/>
+        </p:spPr>
+        <p:txBody>
+          <a:bodyPr wrap="none" rtlCol="0">
+            <a:spAutoFit/>
+          </a:bodyPr>
+          <a:lstStyle/>
+          <a:p>
+            <a:r>
+              <a:rPr lang="fr-FR" dirty="0"/>
+              <a:t>C2</a:t>
+            </a:r>
+          </a:p>
+        </p:txBody>
+      </p:sp>
+      <p:sp>
+        <p:nvSpPr>
+          <p:cNvPr id="13" name="ZoneTexte 12">
+            <a:extLst>
+              <a:ext uri="{FF2B5EF4-FFF2-40B4-BE49-F238E27FC236}">
+                <a16:creationId xmlns:a16="http://schemas.microsoft.com/office/drawing/2014/main" id="{C8560CA6-32F6-5841-9F8D-9CC94E11530D}"/>
+              </a:ext>
+            </a:extLst>
+          </p:cNvPr>
+          <p:cNvSpPr txBox="1"/>
+          <p:nvPr/>
+        </p:nvSpPr>
+        <p:spPr>
+          <a:xfrm>
+            <a:off x="736934" y="6044684"/>
+            <a:ext cx="425116" cy="369332"/>
+          </a:xfrm>
+          <a:prstGeom prst="rect">
+            <a:avLst/>
+          </a:prstGeom>
+          <a:noFill/>
+        </p:spPr>
+        <p:txBody>
+          <a:bodyPr wrap="none" rtlCol="0">
+            <a:spAutoFit/>
+          </a:bodyPr>
+          <a:lstStyle/>
+          <a:p>
+            <a:r>
+              <a:rPr lang="fr-FR" dirty="0"/>
+              <a:t>C1</a:t>
+            </a:r>
+          </a:p>
+        </p:txBody>
+      </p:sp>
+      <p:sp>
+        <p:nvSpPr>
+          <p:cNvPr id="14" name="ZoneTexte 13">
+            <a:extLst>
+              <a:ext uri="{FF2B5EF4-FFF2-40B4-BE49-F238E27FC236}">
+                <a16:creationId xmlns:a16="http://schemas.microsoft.com/office/drawing/2014/main" id="{A40ACC2E-175F-3846-A61C-3C527B24BF12}"/>
+              </a:ext>
+            </a:extLst>
+          </p:cNvPr>
+          <p:cNvSpPr txBox="1"/>
+          <p:nvPr/>
+        </p:nvSpPr>
+        <p:spPr>
+          <a:xfrm>
+            <a:off x="9709484" y="5777984"/>
+            <a:ext cx="383438" cy="369332"/>
+          </a:xfrm>
+          <a:prstGeom prst="rect">
+            <a:avLst/>
+          </a:prstGeom>
+          <a:noFill/>
+        </p:spPr>
+        <p:txBody>
+          <a:bodyPr wrap="none" rtlCol="0">
+            <a:spAutoFit/>
+          </a:bodyPr>
+          <a:lstStyle/>
+          <a:p>
+            <a:r>
+              <a:rPr lang="fr-FR" dirty="0"/>
+              <a:t>X</a:t>
+            </a:r>
+            <a:r>
+              <a:rPr lang="fr-FR" baseline="-25000" dirty="0"/>
+              <a:t>1</a:t>
+            </a:r>
+            <a:endParaRPr lang="fr-FR" dirty="0"/>
+          </a:p>
+        </p:txBody>
+      </p:sp>
+      <p:sp>
+        <p:nvSpPr>
+          <p:cNvPr id="16" name="ZoneTexte 15">
+            <a:extLst>
+              <a:ext uri="{FF2B5EF4-FFF2-40B4-BE49-F238E27FC236}">
+                <a16:creationId xmlns:a16="http://schemas.microsoft.com/office/drawing/2014/main" id="{B911207E-7F76-8E4F-A5CF-53731AFD3732}"/>
+              </a:ext>
+            </a:extLst>
+          </p:cNvPr>
+          <p:cNvSpPr txBox="1"/>
+          <p:nvPr/>
+        </p:nvSpPr>
+        <p:spPr>
+          <a:xfrm>
+            <a:off x="661354" y="710683"/>
+            <a:ext cx="383438" cy="369332"/>
+          </a:xfrm>
+          <a:prstGeom prst="rect">
+            <a:avLst/>
+          </a:prstGeom>
+          <a:noFill/>
+        </p:spPr>
+        <p:txBody>
+          <a:bodyPr wrap="none" rtlCol="0">
+            <a:spAutoFit/>
+          </a:bodyPr>
+          <a:lstStyle/>
+          <a:p>
+            <a:r>
+              <a:rPr lang="fr-FR" dirty="0"/>
+              <a:t>X</a:t>
+            </a:r>
+            <a:r>
+              <a:rPr lang="fr-FR" baseline="-25000" dirty="0"/>
+              <a:t>2</a:t>
+            </a:r>
+            <a:endParaRPr lang="fr-FR" dirty="0"/>
+          </a:p>
+        </p:txBody>
+      </p:sp>
+      <p:sp>
+        <p:nvSpPr>
+          <p:cNvPr id="17" name="ZoneTexte 16">
+            <a:extLst>
+              <a:ext uri="{FF2B5EF4-FFF2-40B4-BE49-F238E27FC236}">
+                <a16:creationId xmlns:a16="http://schemas.microsoft.com/office/drawing/2014/main" id="{6FC690E1-CD83-F24F-990A-C0FF59D688EB}"/>
+              </a:ext>
+            </a:extLst>
+          </p:cNvPr>
+          <p:cNvSpPr txBox="1"/>
+          <p:nvPr/>
+        </p:nvSpPr>
+        <p:spPr>
+          <a:xfrm>
+            <a:off x="9293962" y="6025919"/>
+            <a:ext cx="375424" cy="369332"/>
+          </a:xfrm>
+          <a:prstGeom prst="rect">
+            <a:avLst/>
+          </a:prstGeom>
+          <a:noFill/>
+        </p:spPr>
+        <p:txBody>
+          <a:bodyPr wrap="none" rtlCol="0">
+            <a:spAutoFit/>
+          </a:bodyPr>
+          <a:lstStyle/>
+          <a:p>
+            <a:r>
+              <a:rPr lang="fr-FR" dirty="0"/>
+              <a:t>Y</a:t>
+            </a:r>
+            <a:r>
+              <a:rPr lang="fr-FR" baseline="-25000" dirty="0"/>
+              <a:t>2</a:t>
+            </a:r>
+            <a:endParaRPr lang="fr-FR" dirty="0"/>
+          </a:p>
+        </p:txBody>
+      </p:sp>
+      <p:sp>
+        <p:nvSpPr>
+          <p:cNvPr id="18" name="ZoneTexte 17">
+            <a:extLst>
+              <a:ext uri="{FF2B5EF4-FFF2-40B4-BE49-F238E27FC236}">
+                <a16:creationId xmlns:a16="http://schemas.microsoft.com/office/drawing/2014/main" id="{0763D00E-D5BE-CD4D-937A-F6F3D5E15F3A}"/>
+              </a:ext>
+            </a:extLst>
+          </p:cNvPr>
+          <p:cNvSpPr txBox="1"/>
+          <p:nvPr/>
+        </p:nvSpPr>
+        <p:spPr>
+          <a:xfrm>
+            <a:off x="1035011" y="341351"/>
+            <a:ext cx="383438" cy="369332"/>
+          </a:xfrm>
+          <a:prstGeom prst="rect">
+            <a:avLst/>
+          </a:prstGeom>
+          <a:noFill/>
+        </p:spPr>
+        <p:txBody>
+          <a:bodyPr wrap="none" rtlCol="0">
+            <a:spAutoFit/>
+          </a:bodyPr>
+          <a:lstStyle/>
+          <a:p>
+            <a:r>
+              <a:rPr lang="fr-FR" dirty="0"/>
+              <a:t>Y</a:t>
+            </a:r>
+            <a:r>
+              <a:rPr lang="fr-FR" baseline="-25000" dirty="0"/>
+              <a:t>1</a:t>
+            </a:r>
+            <a:endParaRPr lang="fr-FR" dirty="0"/>
+          </a:p>
+        </p:txBody>
+      </p:sp>
+      <p:sp>
+        <p:nvSpPr>
+          <p:cNvPr id="2" name="Arc 1">
+            <a:extLst>
+              <a:ext uri="{FF2B5EF4-FFF2-40B4-BE49-F238E27FC236}">
+                <a16:creationId xmlns:a16="http://schemas.microsoft.com/office/drawing/2014/main" id="{6ACF29D2-249F-E941-BF22-AF86C0B061F1}"/>
+              </a:ext>
+            </a:extLst>
+          </p:cNvPr>
+          <p:cNvSpPr/>
+          <p:nvPr/>
+        </p:nvSpPr>
+        <p:spPr>
+          <a:xfrm>
+            <a:off x="2610838" y="3805988"/>
+            <a:ext cx="4478466" cy="2608028"/>
+          </a:xfrm>
+          <a:prstGeom prst="arc">
+            <a:avLst>
+              <a:gd name="adj1" fmla="val 16200000"/>
+              <a:gd name="adj2" fmla="val 21464283"/>
+            </a:avLst>
+          </a:prstGeom>
+        </p:spPr>
+        <p:style>
+          <a:lnRef idx="1">
+            <a:schemeClr val="accent1"/>
+          </a:lnRef>
+          <a:fillRef idx="0">
+            <a:schemeClr val="accent1"/>
+          </a:fillRef>
+          <a:effectRef idx="0">
+            <a:schemeClr val="accent1"/>
+          </a:effectRef>
+          <a:fontRef idx="minor">
+            <a:schemeClr val="tx1"/>
+          </a:fontRef>
+        </p:style>
+        <p:txBody>
+          <a:bodyPr rtlCol="0" anchor="ctr"/>
+          <a:lstStyle/>
+          <a:p>
+            <a:pPr algn="ctr"/>
+            <a:endParaRPr lang="fr-FR" dirty="0"/>
+          </a:p>
+        </p:txBody>
+      </p:sp>
+      <p:sp>
+        <p:nvSpPr>
+          <p:cNvPr id="21" name="Arc 20">
+            <a:extLst>
+              <a:ext uri="{FF2B5EF4-FFF2-40B4-BE49-F238E27FC236}">
+                <a16:creationId xmlns:a16="http://schemas.microsoft.com/office/drawing/2014/main" id="{EE3D3CB1-0FAB-0847-95A5-7E075D2428E9}"/>
+              </a:ext>
+            </a:extLst>
+          </p:cNvPr>
+          <p:cNvSpPr/>
+          <p:nvPr/>
+        </p:nvSpPr>
+        <p:spPr>
+          <a:xfrm rot="9174205">
+            <a:off x="5853419" y="1630687"/>
+            <a:ext cx="3857221" cy="2608028"/>
+          </a:xfrm>
+          <a:prstGeom prst="arc">
+            <a:avLst>
+              <a:gd name="adj1" fmla="val 18726458"/>
+              <a:gd name="adj2" fmla="val 1010606"/>
+            </a:avLst>
+          </a:prstGeom>
+        </p:spPr>
+        <p:style>
+          <a:lnRef idx="1">
+            <a:schemeClr val="accent1"/>
+          </a:lnRef>
+          <a:fillRef idx="0">
+            <a:schemeClr val="accent1"/>
+          </a:fillRef>
+          <a:effectRef idx="0">
+            <a:schemeClr val="accent1"/>
+          </a:effectRef>
+          <a:fontRef idx="minor">
+            <a:schemeClr val="tx1"/>
+          </a:fontRef>
+        </p:style>
+        <p:txBody>
+          <a:bodyPr rtlCol="0" anchor="ctr"/>
+          <a:lstStyle/>
+          <a:p>
+            <a:pPr algn="ctr"/>
+            <a:endParaRPr lang="fr-FR"/>
+          </a:p>
+        </p:txBody>
+      </p:sp>
+      <p:sp>
+        <p:nvSpPr>
+          <p:cNvPr id="3" name="Ellipse 2">
+            <a:extLst>
+              <a:ext uri="{FF2B5EF4-FFF2-40B4-BE49-F238E27FC236}">
+                <a16:creationId xmlns:a16="http://schemas.microsoft.com/office/drawing/2014/main" id="{5CA27C88-F0DB-834C-A581-1F4BCC817A3F}"/>
+              </a:ext>
+            </a:extLst>
+          </p:cNvPr>
+          <p:cNvSpPr/>
+          <p:nvPr/>
+        </p:nvSpPr>
+        <p:spPr>
+          <a:xfrm>
+            <a:off x="6391255" y="4174319"/>
+            <a:ext cx="45719" cy="47707"/>
+          </a:xfrm>
+          <a:prstGeom prst="ellipse">
+            <a:avLst/>
+          </a:prstGeom>
+        </p:spPr>
+        <p:style>
+          <a:lnRef idx="2">
+            <a:schemeClr val="accent1">
+              <a:shade val="50000"/>
+            </a:schemeClr>
+          </a:lnRef>
+          <a:fillRef idx="1">
+            <a:schemeClr val="accent1"/>
+          </a:fillRef>
+          <a:effectRef idx="0">
+            <a:schemeClr val="accent1"/>
+          </a:effectRef>
+          <a:fontRef idx="minor">
+            <a:schemeClr val="lt1"/>
+          </a:fontRef>
+        </p:style>
+        <p:txBody>
+          <a:bodyPr rtlCol="0" anchor="ctr"/>
+          <a:lstStyle/>
+          <a:p>
+            <a:pPr algn="ctr"/>
+            <a:endParaRPr lang="fr-FR"/>
+          </a:p>
+        </p:txBody>
+      </p:sp>
+      <p:sp>
+        <p:nvSpPr>
+          <p:cNvPr id="24" name="ZoneTexte 23">
+            <a:extLst>
+              <a:ext uri="{FF2B5EF4-FFF2-40B4-BE49-F238E27FC236}">
+                <a16:creationId xmlns:a16="http://schemas.microsoft.com/office/drawing/2014/main" id="{92678934-A925-5149-AE7D-4677E482F71F}"/>
+              </a:ext>
+            </a:extLst>
+          </p:cNvPr>
+          <p:cNvSpPr txBox="1"/>
+          <p:nvPr/>
+        </p:nvSpPr>
+        <p:spPr>
+          <a:xfrm>
+            <a:off x="6391255" y="3852694"/>
+            <a:ext cx="317716" cy="369332"/>
+          </a:xfrm>
+          <a:prstGeom prst="rect">
+            <a:avLst/>
+          </a:prstGeom>
+          <a:noFill/>
+        </p:spPr>
+        <p:txBody>
+          <a:bodyPr wrap="none" rtlCol="0">
+            <a:spAutoFit/>
+          </a:bodyPr>
+          <a:lstStyle/>
+          <a:p>
+            <a:r>
+              <a:rPr lang="fr-FR" dirty="0"/>
+              <a:t>A</a:t>
+            </a:r>
+          </a:p>
+        </p:txBody>
+      </p:sp>
+      <p:cxnSp>
+        <p:nvCxnSpPr>
+          <p:cNvPr id="10" name="Connecteur droit 9">
+            <a:extLst>
+              <a:ext uri="{FF2B5EF4-FFF2-40B4-BE49-F238E27FC236}">
+                <a16:creationId xmlns:a16="http://schemas.microsoft.com/office/drawing/2014/main" id="{9D43521A-387F-DF4D-A22F-9D5E3B36038C}"/>
+              </a:ext>
+            </a:extLst>
+          </p:cNvPr>
+          <p:cNvCxnSpPr>
+            <a:cxnSpLocks/>
+          </p:cNvCxnSpPr>
+          <p:nvPr/>
+        </p:nvCxnSpPr>
+        <p:spPr>
+          <a:xfrm>
+            <a:off x="4540197" y="3188472"/>
+            <a:ext cx="3307742" cy="1749287"/>
+          </a:xfrm>
+          <a:prstGeom prst="line">
+            <a:avLst/>
+          </a:prstGeom>
+        </p:spPr>
+        <p:style>
+          <a:lnRef idx="1">
+            <a:schemeClr val="accent1"/>
+          </a:lnRef>
+          <a:fillRef idx="0">
+            <a:schemeClr val="accent1"/>
+          </a:fillRef>
+          <a:effectRef idx="0">
+            <a:schemeClr val="accent1"/>
+          </a:effectRef>
+          <a:fontRef idx="minor">
+            <a:schemeClr val="tx1"/>
+          </a:fontRef>
+        </p:style>
+      </p:cxnSp>
+      <p:sp>
+        <p:nvSpPr>
+          <p:cNvPr id="19" name="Ellipse 18">
+            <a:extLst>
+              <a:ext uri="{FF2B5EF4-FFF2-40B4-BE49-F238E27FC236}">
+                <a16:creationId xmlns:a16="http://schemas.microsoft.com/office/drawing/2014/main" id="{29FDB8F0-5FC5-1848-A93D-E5E35B747188}"/>
+              </a:ext>
+            </a:extLst>
+          </p:cNvPr>
+          <p:cNvSpPr/>
+          <p:nvPr/>
+        </p:nvSpPr>
+        <p:spPr>
+          <a:xfrm>
+            <a:off x="4699222" y="3260034"/>
+            <a:ext cx="45719" cy="55659"/>
+          </a:xfrm>
+          <a:prstGeom prst="ellipse">
+            <a:avLst/>
+          </a:prstGeom>
+        </p:spPr>
+        <p:style>
+          <a:lnRef idx="2">
+            <a:schemeClr val="accent1">
+              <a:shade val="50000"/>
+            </a:schemeClr>
+          </a:lnRef>
+          <a:fillRef idx="1">
+            <a:schemeClr val="accent1"/>
+          </a:fillRef>
+          <a:effectRef idx="0">
+            <a:schemeClr val="accent1"/>
+          </a:effectRef>
+          <a:fontRef idx="minor">
+            <a:schemeClr val="lt1"/>
+          </a:fontRef>
+        </p:style>
+        <p:txBody>
+          <a:bodyPr rtlCol="0" anchor="ctr"/>
+          <a:lstStyle/>
+          <a:p>
+            <a:pPr algn="ctr"/>
+            <a:endParaRPr lang="fr-FR"/>
+          </a:p>
+        </p:txBody>
+      </p:sp>
+      <p:sp>
+        <p:nvSpPr>
+          <p:cNvPr id="29" name="ZoneTexte 28">
+            <a:extLst>
+              <a:ext uri="{FF2B5EF4-FFF2-40B4-BE49-F238E27FC236}">
+                <a16:creationId xmlns:a16="http://schemas.microsoft.com/office/drawing/2014/main" id="{807DBA00-9B3D-824C-9BA9-971E4389DE1C}"/>
+              </a:ext>
+            </a:extLst>
+          </p:cNvPr>
+          <p:cNvSpPr txBox="1"/>
+          <p:nvPr/>
+        </p:nvSpPr>
+        <p:spPr>
+          <a:xfrm>
+            <a:off x="4687950" y="3003806"/>
+            <a:ext cx="375424" cy="369332"/>
+          </a:xfrm>
+          <a:prstGeom prst="rect">
+            <a:avLst/>
+          </a:prstGeom>
+          <a:noFill/>
+        </p:spPr>
+        <p:txBody>
+          <a:bodyPr wrap="none" rtlCol="0">
+            <a:spAutoFit/>
+          </a:bodyPr>
+          <a:lstStyle/>
+          <a:p>
+            <a:r>
+              <a:rPr lang="fr-FR" dirty="0"/>
+              <a:t>E</a:t>
+            </a:r>
+            <a:r>
+              <a:rPr lang="fr-FR" baseline="-25000" dirty="0"/>
+              <a:t>1</a:t>
+            </a:r>
+            <a:endParaRPr lang="fr-FR" dirty="0"/>
+          </a:p>
+        </p:txBody>
+      </p:sp>
+      <p:sp>
+        <p:nvSpPr>
+          <p:cNvPr id="20" name="Triangle rectangle 19">
+            <a:extLst>
+              <a:ext uri="{FF2B5EF4-FFF2-40B4-BE49-F238E27FC236}">
+                <a16:creationId xmlns:a16="http://schemas.microsoft.com/office/drawing/2014/main" id="{05872157-72F5-AA4F-95B2-6ECAAC12218C}"/>
+              </a:ext>
+            </a:extLst>
+          </p:cNvPr>
+          <p:cNvSpPr/>
+          <p:nvPr/>
+        </p:nvSpPr>
+        <p:spPr>
+          <a:xfrm>
+            <a:off x="7347005" y="4683318"/>
+            <a:ext cx="254442" cy="135172"/>
+          </a:xfrm>
+          <a:prstGeom prst="rtTriangle">
+            <a:avLst/>
+          </a:prstGeom>
+        </p:spPr>
+        <p:style>
+          <a:lnRef idx="2">
+            <a:schemeClr val="accent1">
+              <a:shade val="50000"/>
+            </a:schemeClr>
+          </a:lnRef>
+          <a:fillRef idx="1">
+            <a:schemeClr val="accent1"/>
+          </a:fillRef>
+          <a:effectRef idx="0">
+            <a:schemeClr val="accent1"/>
+          </a:effectRef>
+          <a:fontRef idx="minor">
+            <a:schemeClr val="lt1"/>
+          </a:fontRef>
+        </p:style>
+        <p:txBody>
+          <a:bodyPr rtlCol="0" anchor="ctr"/>
+          <a:lstStyle/>
+          <a:p>
+            <a:pPr algn="ctr"/>
+            <a:endParaRPr lang="fr-FR"/>
+          </a:p>
+        </p:txBody>
+      </p:sp>
+      <p:sp>
+        <p:nvSpPr>
+          <p:cNvPr id="31" name="ZoneTexte 30">
+            <a:extLst>
+              <a:ext uri="{FF2B5EF4-FFF2-40B4-BE49-F238E27FC236}">
+                <a16:creationId xmlns:a16="http://schemas.microsoft.com/office/drawing/2014/main" id="{5701CF2F-C90F-A14E-89DA-0BA78979C442}"/>
+              </a:ext>
+            </a:extLst>
+          </p:cNvPr>
+          <p:cNvSpPr txBox="1"/>
+          <p:nvPr/>
+        </p:nvSpPr>
+        <p:spPr>
+          <a:xfrm>
+            <a:off x="7101386" y="4779101"/>
+            <a:ext cx="583814" cy="369332"/>
+          </a:xfrm>
+          <a:prstGeom prst="rect">
+            <a:avLst/>
+          </a:prstGeom>
+          <a:noFill/>
+        </p:spPr>
+        <p:txBody>
+          <a:bodyPr wrap="none" rtlCol="0">
+            <a:spAutoFit/>
+          </a:bodyPr>
+          <a:lstStyle/>
+          <a:p>
+            <a:r>
+              <a:rPr lang="fr-FR" dirty="0"/>
+              <a:t>-1/p</a:t>
+            </a:r>
+          </a:p>
+        </p:txBody>
+      </p:sp>
+      <p:sp>
+        <p:nvSpPr>
+          <p:cNvPr id="22" name="ZoneTexte 21">
+            <a:extLst>
+              <a:ext uri="{FF2B5EF4-FFF2-40B4-BE49-F238E27FC236}">
+                <a16:creationId xmlns:a16="http://schemas.microsoft.com/office/drawing/2014/main" id="{A2807F85-36D2-F24A-ACBA-EED5DFC525F5}"/>
+              </a:ext>
+            </a:extLst>
+          </p:cNvPr>
+          <p:cNvSpPr txBox="1"/>
+          <p:nvPr/>
+        </p:nvSpPr>
+        <p:spPr>
+          <a:xfrm>
+            <a:off x="3559647" y="2990359"/>
+            <a:ext cx="375424" cy="369332"/>
+          </a:xfrm>
+          <a:prstGeom prst="rect">
+            <a:avLst/>
+          </a:prstGeom>
+          <a:noFill/>
+        </p:spPr>
+        <p:txBody>
+          <a:bodyPr wrap="none" rtlCol="0">
+            <a:spAutoFit/>
+          </a:bodyPr>
+          <a:lstStyle/>
+          <a:p>
+            <a:r>
+              <a:rPr lang="fr-FR" dirty="0"/>
+              <a:t>E</a:t>
+            </a:r>
+            <a:r>
+              <a:rPr lang="fr-FR" baseline="-25000" dirty="0"/>
+              <a:t>0</a:t>
+            </a:r>
+            <a:endParaRPr lang="fr-FR" dirty="0"/>
+          </a:p>
+        </p:txBody>
+      </p:sp>
+      <p:sp>
+        <p:nvSpPr>
+          <p:cNvPr id="4" name="Ellipse 3">
+            <a:extLst>
+              <a:ext uri="{FF2B5EF4-FFF2-40B4-BE49-F238E27FC236}">
+                <a16:creationId xmlns:a16="http://schemas.microsoft.com/office/drawing/2014/main" id="{7637A884-D6BB-914F-99B4-90070CFB9DBF}"/>
+              </a:ext>
+            </a:extLst>
+          </p:cNvPr>
+          <p:cNvSpPr/>
+          <p:nvPr/>
+        </p:nvSpPr>
+        <p:spPr>
+          <a:xfrm>
+            <a:off x="3865868" y="3276929"/>
+            <a:ext cx="45719" cy="45719"/>
+          </a:xfrm>
+          <a:prstGeom prst="ellipse">
+            <a:avLst/>
+          </a:prstGeom>
+        </p:spPr>
+        <p:style>
+          <a:lnRef idx="2">
+            <a:schemeClr val="accent1">
+              <a:shade val="50000"/>
+            </a:schemeClr>
+          </a:lnRef>
+          <a:fillRef idx="1">
+            <a:schemeClr val="accent1"/>
+          </a:fillRef>
+          <a:effectRef idx="0">
+            <a:schemeClr val="accent1"/>
+          </a:effectRef>
+          <a:fontRef idx="minor">
+            <a:schemeClr val="lt1"/>
+          </a:fontRef>
+        </p:style>
+        <p:txBody>
+          <a:bodyPr rtlCol="0" anchor="ctr"/>
+          <a:lstStyle/>
+          <a:p>
+            <a:pPr algn="ctr"/>
+            <a:endParaRPr lang="fr-FR"/>
+          </a:p>
+        </p:txBody>
+      </p:sp>
+      <p:cxnSp>
+        <p:nvCxnSpPr>
+          <p:cNvPr id="8" name="Connecteur droit 7">
+            <a:extLst>
+              <a:ext uri="{FF2B5EF4-FFF2-40B4-BE49-F238E27FC236}">
+                <a16:creationId xmlns:a16="http://schemas.microsoft.com/office/drawing/2014/main" id="{E3D933CD-A700-7A44-AD30-47E8943593A0}"/>
+              </a:ext>
+            </a:extLst>
+          </p:cNvPr>
+          <p:cNvCxnSpPr>
+            <a:cxnSpLocks/>
+          </p:cNvCxnSpPr>
+          <p:nvPr/>
+        </p:nvCxnSpPr>
+        <p:spPr>
+          <a:xfrm flipV="1">
+            <a:off x="3879783" y="3299788"/>
+            <a:ext cx="833354" cy="1"/>
+          </a:xfrm>
+          <a:prstGeom prst="line">
+            <a:avLst/>
+          </a:prstGeom>
+          <a:ln>
+            <a:prstDash val="dash"/>
+            <a:headEnd type="none" w="med" len="med"/>
+            <a:tailEnd type="arrow" w="med" len="med"/>
+          </a:ln>
+        </p:spPr>
+        <p:style>
+          <a:lnRef idx="1">
+            <a:schemeClr val="accent1"/>
+          </a:lnRef>
+          <a:fillRef idx="0">
+            <a:schemeClr val="accent1"/>
+          </a:fillRef>
+          <a:effectRef idx="0">
+            <a:schemeClr val="accent1"/>
+          </a:effectRef>
+          <a:fontRef idx="minor">
+            <a:schemeClr val="tx1"/>
+          </a:fontRef>
+        </p:style>
+      </p:cxnSp>
+      <p:sp>
+        <p:nvSpPr>
+          <p:cNvPr id="25" name="Accolade ouvrante 24">
+            <a:extLst>
+              <a:ext uri="{FF2B5EF4-FFF2-40B4-BE49-F238E27FC236}">
+                <a16:creationId xmlns:a16="http://schemas.microsoft.com/office/drawing/2014/main" id="{BEEBB29D-0D59-9C4A-B554-5BC6573B3060}"/>
+              </a:ext>
+            </a:extLst>
+          </p:cNvPr>
+          <p:cNvSpPr/>
+          <p:nvPr/>
+        </p:nvSpPr>
+        <p:spPr>
+          <a:xfrm rot="16200000">
+            <a:off x="4208843" y="3053492"/>
+            <a:ext cx="175233" cy="833351"/>
+          </a:xfrm>
+          <a:prstGeom prst="leftBrace">
+            <a:avLst/>
+          </a:prstGeom>
+        </p:spPr>
+        <p:style>
+          <a:lnRef idx="1">
+            <a:schemeClr val="accent1"/>
+          </a:lnRef>
+          <a:fillRef idx="0">
+            <a:schemeClr val="accent1"/>
+          </a:fillRef>
+          <a:effectRef idx="0">
+            <a:schemeClr val="accent1"/>
+          </a:effectRef>
+          <a:fontRef idx="minor">
+            <a:schemeClr val="tx1"/>
+          </a:fontRef>
+        </p:style>
+        <p:txBody>
+          <a:bodyPr rtlCol="0" anchor="ctr"/>
+          <a:lstStyle/>
+          <a:p>
+            <a:pPr algn="ctr"/>
+            <a:endParaRPr lang="fr-FR"/>
+          </a:p>
+        </p:txBody>
+      </p:sp>
+      <p:sp>
+        <p:nvSpPr>
+          <p:cNvPr id="28" name="ZoneTexte 27">
+            <a:extLst>
+              <a:ext uri="{FF2B5EF4-FFF2-40B4-BE49-F238E27FC236}">
+                <a16:creationId xmlns:a16="http://schemas.microsoft.com/office/drawing/2014/main" id="{2E956D6E-BC7C-8140-80C6-BC11374CBC58}"/>
+              </a:ext>
+            </a:extLst>
+          </p:cNvPr>
+          <p:cNvSpPr txBox="1"/>
+          <p:nvPr/>
+        </p:nvSpPr>
+        <p:spPr>
+          <a:xfrm>
+            <a:off x="4139967" y="3484455"/>
+            <a:ext cx="375424" cy="369332"/>
+          </a:xfrm>
+          <a:prstGeom prst="rect">
+            <a:avLst/>
+          </a:prstGeom>
+          <a:noFill/>
+        </p:spPr>
+        <p:txBody>
+          <a:bodyPr wrap="none" rtlCol="0">
+            <a:spAutoFit/>
+          </a:bodyPr>
+          <a:lstStyle/>
+          <a:p>
+            <a:r>
+              <a:rPr lang="fr-FR" dirty="0"/>
+              <a:t>T</a:t>
+            </a:r>
+            <a:r>
+              <a:rPr lang="fr-FR" baseline="-25000" dirty="0"/>
+              <a:t>X</a:t>
+            </a:r>
+            <a:endParaRPr lang="fr-FR" dirty="0"/>
+          </a:p>
+        </p:txBody>
+      </p:sp>
+      <p:sp>
+        <p:nvSpPr>
+          <p:cNvPr id="26" name="ZoneTexte 25">
+            <a:extLst>
+              <a:ext uri="{FF2B5EF4-FFF2-40B4-BE49-F238E27FC236}">
+                <a16:creationId xmlns:a16="http://schemas.microsoft.com/office/drawing/2014/main" id="{32391122-60B8-914B-A3DD-5888CBA775FC}"/>
+              </a:ext>
+            </a:extLst>
+          </p:cNvPr>
+          <p:cNvSpPr txBox="1"/>
+          <p:nvPr/>
+        </p:nvSpPr>
+        <p:spPr>
+          <a:xfrm>
+            <a:off x="159027" y="249462"/>
+            <a:ext cx="184731" cy="369332"/>
+          </a:xfrm>
+          <a:prstGeom prst="rect">
+            <a:avLst/>
+          </a:prstGeom>
+          <a:noFill/>
+        </p:spPr>
+        <p:txBody>
+          <a:bodyPr wrap="none" rtlCol="0">
+            <a:spAutoFit/>
+          </a:bodyPr>
+          <a:lstStyle/>
+          <a:p>
+            <a:endParaRPr lang="fr-FR" dirty="0"/>
+          </a:p>
+        </p:txBody>
+      </p:sp>
+    </p:spTree>
+    <p:extLst>
+      <p:ext uri="{BB962C8B-B14F-4D97-AF65-F5344CB8AC3E}">
+        <p14:creationId xmlns:p14="http://schemas.microsoft.com/office/powerpoint/2010/main" val="987601391"/>
       </p:ext>
     </p:extLst>
   </p:cSld>
